--- a/Hayden_deAlford_Wittlin_AdversarialBiasPosterFINAL.pptx
+++ b/Hayden_deAlford_Wittlin_AdversarialBiasPosterFINAL.pptx
@@ -5027,7 +5027,7 @@
           <a:graphicData uri="http://schemas.openxmlformats.org/presentationml/2006/ole">
             <mc:AlternateContent xmlns:mc="http://schemas.openxmlformats.org/markup-compatibility/2006">
               <mc:Choice xmlns:v="urn:schemas-microsoft-com:vml" Requires="v">
-                <p:oleObj spid="_x0000_s5183" name="Clip" r:id="rId7" imgW="20457143" imgH="13384127" progId="MS_ClipArt_Gallery.2">
+                <p:oleObj spid="_x0000_s5185" name="Clip" r:id="rId7" imgW="20457143" imgH="13384127" progId="MS_ClipArt_Gallery.2">
                   <p:embed/>
                 </p:oleObj>
               </mc:Choice>
@@ -9478,7 +9478,7 @@
               <a:rPr lang="en-US" altLang="en-US" sz="1200" b="1" dirty="0">
                 <a:latin typeface="Arial" panose="020B0604020202020204" pitchFamily="34" charset="0"/>
               </a:rPr>
-              <a:t>We CANNOT and MUST NOT replace the inquisitiveness, skepticism, mortal imagination and compassion that humans bring to bear to on ML.</a:t>
+              <a:t>We CANNOT and MUST NOT replace the inquisitiveness, skepticism, mortal imagination and compassion that humans bring to bear on Machine Learning.</a:t>
             </a:r>
           </a:p>
           <a:p>

--- a/Hayden_deAlford_Wittlin_AdversarialBiasPosterFINAL.pptx
+++ b/Hayden_deAlford_Wittlin_AdversarialBiasPosterFINAL.pptx
@@ -3796,36 +3796,6 @@
       </p:grpSpPr>
       <p:pic>
         <p:nvPicPr>
-          <p:cNvPr id="3" name="Picture 2" descr="A picture containing clock&#10;&#10;Description automatically generated">
-            <a:extLst>
-              <a:ext uri="{FF2B5EF4-FFF2-40B4-BE49-F238E27FC236}">
-                <a16:creationId xmlns:a16="http://schemas.microsoft.com/office/drawing/2014/main" id="{AEF4D28B-E846-4B78-8AF3-A5132F5FEC00}"/>
-              </a:ext>
-            </a:extLst>
-          </p:cNvPr>
-          <p:cNvPicPr>
-            <a:picLocks noChangeAspect="1"/>
-          </p:cNvPicPr>
-          <p:nvPr/>
-        </p:nvPicPr>
-        <p:blipFill>
-          <a:blip r:embed="rId4"/>
-          <a:stretch>
-            <a:fillRect/>
-          </a:stretch>
-        </p:blipFill>
-        <p:spPr>
-          <a:xfrm>
-            <a:off x="6249879" y="3963308"/>
-            <a:ext cx="3089429" cy="1789316"/>
-          </a:xfrm>
-          <a:prstGeom prst="rect">
-            <a:avLst/>
-          </a:prstGeom>
-        </p:spPr>
-      </p:pic>
-      <p:pic>
-        <p:nvPicPr>
           <p:cNvPr id="9" name="Picture 8" descr="A picture containing object, clock, monitor, large&#10;&#10;Description automatically generated">
             <a:extLst>
               <a:ext uri="{FF2B5EF4-FFF2-40B4-BE49-F238E27FC236}">
@@ -3839,7 +3809,7 @@
           <p:nvPr/>
         </p:nvPicPr>
         <p:blipFill>
-          <a:blip r:embed="rId5"/>
+          <a:blip r:embed="rId4"/>
           <a:stretch>
             <a:fillRect/>
           </a:stretch>
@@ -3869,7 +3839,7 @@
           <p:nvPr/>
         </p:nvPicPr>
         <p:blipFill>
-          <a:blip r:embed="rId6"/>
+          <a:blip r:embed="rId5"/>
           <a:stretch>
             <a:fillRect/>
           </a:stretch>
@@ -5027,12 +4997,12 @@
           <a:graphicData uri="http://schemas.openxmlformats.org/presentationml/2006/ole">
             <mc:AlternateContent xmlns:mc="http://schemas.openxmlformats.org/markup-compatibility/2006">
               <mc:Choice xmlns:v="urn:schemas-microsoft-com:vml" Requires="v">
-                <p:oleObj spid="_x0000_s5185" name="Clip" r:id="rId7" imgW="20457143" imgH="13384127" progId="MS_ClipArt_Gallery.2">
+                <p:oleObj spid="_x0000_s5186" name="Clip" r:id="rId6" imgW="20457143" imgH="13384127" progId="MS_ClipArt_Gallery.2">
                   <p:embed/>
                 </p:oleObj>
               </mc:Choice>
               <mc:Fallback>
-                <p:oleObj name="Clip" r:id="rId7" imgW="20457143" imgH="13384127" progId="MS_ClipArt_Gallery.2">
+                <p:oleObj name="Clip" r:id="rId6" imgW="20457143" imgH="13384127" progId="MS_ClipArt_Gallery.2">
                   <p:embed/>
                   <p:pic>
                     <p:nvPicPr>
@@ -5043,7 +5013,7 @@
                       <p:nvPr/>
                     </p:nvPicPr>
                     <p:blipFill>
-                      <a:blip r:embed="rId8">
+                      <a:blip r:embed="rId7">
                         <a:lum bright="88000" contrast="-34000"/>
                         <a:extLst>
                           <a:ext uri="{28A0092B-C50C-407E-A947-70E740481C1C}">
@@ -10998,6 +10968,36 @@
           </a:graphicData>
         </a:graphic>
       </p:graphicFrame>
+      <p:pic>
+        <p:nvPicPr>
+          <p:cNvPr id="4" name="Picture 3" descr="A picture containing clock&#10;&#10;Description automatically generated">
+            <a:extLst>
+              <a:ext uri="{FF2B5EF4-FFF2-40B4-BE49-F238E27FC236}">
+                <a16:creationId xmlns:a16="http://schemas.microsoft.com/office/drawing/2014/main" id="{4A6A0B98-CACC-4C92-8610-78E38132B9E1}"/>
+              </a:ext>
+            </a:extLst>
+          </p:cNvPr>
+          <p:cNvPicPr>
+            <a:picLocks noChangeAspect="1"/>
+          </p:cNvPicPr>
+          <p:nvPr/>
+        </p:nvPicPr>
+        <p:blipFill>
+          <a:blip r:embed="rId11"/>
+          <a:stretch>
+            <a:fillRect/>
+          </a:stretch>
+        </p:blipFill>
+        <p:spPr>
+          <a:xfrm>
+            <a:off x="6226381" y="3893955"/>
+            <a:ext cx="3083825" cy="1793751"/>
+          </a:xfrm>
+          <a:prstGeom prst="rect">
+            <a:avLst/>
+          </a:prstGeom>
+        </p:spPr>
+      </p:pic>
     </p:spTree>
   </p:cSld>
   <p:clrMapOvr>

--- a/Hayden_deAlford_Wittlin_AdversarialBiasPosterFINAL.pptx
+++ b/Hayden_deAlford_Wittlin_AdversarialBiasPosterFINAL.pptx
@@ -4997,7 +4997,7 @@
           <a:graphicData uri="http://schemas.openxmlformats.org/presentationml/2006/ole">
             <mc:AlternateContent xmlns:mc="http://schemas.openxmlformats.org/markup-compatibility/2006">
               <mc:Choice xmlns:v="urn:schemas-microsoft-com:vml" Requires="v">
-                <p:oleObj spid="_x0000_s5186" name="Clip" r:id="rId6" imgW="20457143" imgH="13384127" progId="MS_ClipArt_Gallery.2">
+                <p:oleObj spid="_x0000_s5188" name="Clip" r:id="rId6" imgW="20457143" imgH="13384127" progId="MS_ClipArt_Gallery.2">
                   <p:embed/>
                 </p:oleObj>
               </mc:Choice>
@@ -10970,10 +10970,10 @@
       </p:graphicFrame>
       <p:pic>
         <p:nvPicPr>
-          <p:cNvPr id="4" name="Picture 3" descr="A picture containing clock&#10;&#10;Description automatically generated">
+          <p:cNvPr id="3" name="Picture 2" descr="A close up of a logo&#10;&#10;Description automatically generated">
             <a:extLst>
               <a:ext uri="{FF2B5EF4-FFF2-40B4-BE49-F238E27FC236}">
-                <a16:creationId xmlns:a16="http://schemas.microsoft.com/office/drawing/2014/main" id="{4A6A0B98-CACC-4C92-8610-78E38132B9E1}"/>
+                <a16:creationId xmlns:a16="http://schemas.microsoft.com/office/drawing/2014/main" id="{76FDAE8D-93EA-479D-A565-4DFDC367CE5F}"/>
               </a:ext>
             </a:extLst>
           </p:cNvPr>
@@ -10990,8 +10990,8 @@
         </p:blipFill>
         <p:spPr>
           <a:xfrm>
-            <a:off x="6226381" y="3893955"/>
-            <a:ext cx="3083825" cy="1793751"/>
+            <a:off x="6878783" y="3930650"/>
+            <a:ext cx="3200784" cy="1835738"/>
           </a:xfrm>
           <a:prstGeom prst="rect">
             <a:avLst/>

--- a/Hayden_deAlford_Wittlin_AdversarialBiasPosterFINAL.pptx
+++ b/Hayden_deAlford_Wittlin_AdversarialBiasPosterFINAL.pptx
@@ -4997,7 +4997,7 @@
           <a:graphicData uri="http://schemas.openxmlformats.org/presentationml/2006/ole">
             <mc:AlternateContent xmlns:mc="http://schemas.openxmlformats.org/markup-compatibility/2006">
               <mc:Choice xmlns:v="urn:schemas-microsoft-com:vml" Requires="v">
-                <p:oleObj spid="_x0000_s5188" name="Clip" r:id="rId6" imgW="20457143" imgH="13384127" progId="MS_ClipArt_Gallery.2">
+                <p:oleObj spid="_x0000_s5189" name="Clip" r:id="rId6" imgW="20457143" imgH="13384127" progId="MS_ClipArt_Gallery.2">
                   <p:embed/>
                 </p:oleObj>
               </mc:Choice>
@@ -10990,8 +10990,8 @@
         </p:blipFill>
         <p:spPr>
           <a:xfrm>
-            <a:off x="6878783" y="3930650"/>
-            <a:ext cx="3200784" cy="1835738"/>
+            <a:off x="7242906" y="3930650"/>
+            <a:ext cx="2764695" cy="1835738"/>
           </a:xfrm>
           <a:prstGeom prst="rect">
             <a:avLst/>
